--- a/PROJECT2/3SC1_GROUP9_MHudyaR_MutiaAyuD.pptx
+++ b/PROJECT2/3SC1_GROUP9_MHudyaR_MutiaAyuD.pptx
@@ -126,7 +126,7 @@
   </p:defaultTextStyle>
   <p:extLst>
     <p:ext uri="{EFAFB233-063F-42B5-8137-9DF3F51BA10A}">
-      <p15:sldGuideLst xmlns:p15="http://schemas.microsoft.com/office/powerpoint/2012/main" xmlns="">
+      <p15:sldGuideLst xmlns:p15="http://schemas.microsoft.com/office/powerpoint/2012/main">
         <p15:guide id="1" pos="3840" userDrawn="1">
           <p15:clr>
             <a:srgbClr val="A4A3A4"/>
@@ -140,7 +140,7 @@
       </p15:sldGuideLst>
     </p:ext>
     <p:ext uri="{2D200454-40CA-4A62-9FC3-DE9A4176ACB9}">
-      <p15:notesGuideLst xmlns:p15="http://schemas.microsoft.com/office/powerpoint/2012/main" xmlns=""/>
+      <p15:notesGuideLst xmlns:p15="http://schemas.microsoft.com/office/powerpoint/2012/main"/>
     </p:ext>
   </p:extLst>
 </p:presentation>
@@ -229,7 +229,7 @@
             <a:fld id="{762B48F5-BACC-47D6-A0F7-82FBF9C6BC85}" type="datetimeFigureOut">
               <a:rPr lang="en-US"/>
               <a:pPr/>
-              <a:t>10/20/2016</a:t>
+              <a:t>10/21/2016</a:t>
             </a:fld>
             <a:endParaRPr/>
           </a:p>
@@ -305,7 +305,7 @@
     </p:spTree>
     <p:extLst>
       <p:ext uri="{BB962C8B-B14F-4D97-AF65-F5344CB8AC3E}">
-        <p14:creationId xmlns:p14="http://schemas.microsoft.com/office/powerpoint/2010/main" xmlns="" val="2406559797"/>
+        <p14:creationId xmlns:p14="http://schemas.microsoft.com/office/powerpoint/2010/main" val="2406559797"/>
       </p:ext>
     </p:extLst>
   </p:cSld>
@@ -396,7 +396,7 @@
             <a:fld id="{0CB1CD00-5424-4675-AB18-2C419B060449}" type="datetimeFigureOut">
               <a:rPr lang="en-US"/>
               <a:pPr/>
-              <a:t>10/20/2016</a:t>
+              <a:t>10/21/2016</a:t>
             </a:fld>
             <a:endParaRPr/>
           </a:p>
@@ -564,7 +564,7 @@
     </p:spTree>
     <p:extLst>
       <p:ext uri="{BB962C8B-B14F-4D97-AF65-F5344CB8AC3E}">
-        <p14:creationId xmlns:p14="http://schemas.microsoft.com/office/powerpoint/2010/main" xmlns="" val="445385675"/>
+        <p14:creationId xmlns:p14="http://schemas.microsoft.com/office/powerpoint/2010/main" val="445385675"/>
       </p:ext>
     </p:extLst>
   </p:cSld>
@@ -936,18 +936,18 @@
     </p:spTree>
     <p:extLst>
       <p:ext uri="{BB962C8B-B14F-4D97-AF65-F5344CB8AC3E}">
-        <p14:creationId xmlns:p14="http://schemas.microsoft.com/office/powerpoint/2010/main" xmlns="" val="798862757"/>
+        <p14:creationId xmlns:p14="http://schemas.microsoft.com/office/powerpoint/2010/main" val="798862757"/>
       </p:ext>
     </p:extLst>
   </p:cSld>
   <p:clrMapOvr>
     <a:masterClrMapping/>
   </p:clrMapOvr>
-  <mc:AlternateContent xmlns:mc="http://schemas.openxmlformats.org/markup-compatibility/2006">
-    <mc:Choice xmlns:p14="http://schemas.microsoft.com/office/powerpoint/2010/main" xmlns="" Requires="p14">
+  <mc:AlternateContent xmlns:mc="http://schemas.openxmlformats.org/markup-compatibility/2006" xmlns:p14="http://schemas.microsoft.com/office/powerpoint/2010/main">
+    <mc:Choice Requires="p14">
       <p:transition spd="slow" p14:dur="2000"/>
     </mc:Choice>
-    <mc:Fallback>
+    <mc:Fallback xmlns="">
       <p:transition spd="slow"/>
     </mc:Fallback>
   </mc:AlternateContent>
@@ -1071,7 +1071,7 @@
             <a:fld id="{37CC0096-1860-4642-9CD2-0079EA5E7CD1}" type="datetimeFigureOut">
               <a:rPr lang="en-US" smtClean="0"/>
               <a:pPr/>
-              <a:t>10/20/2016</a:t>
+              <a:t>10/21/2016</a:t>
             </a:fld>
             <a:endParaRPr lang="en-US"/>
           </a:p>
@@ -1123,18 +1123,18 @@
     </p:spTree>
     <p:extLst>
       <p:ext uri="{BB962C8B-B14F-4D97-AF65-F5344CB8AC3E}">
-        <p14:creationId xmlns:p14="http://schemas.microsoft.com/office/powerpoint/2010/main" xmlns="" val="2477154221"/>
+        <p14:creationId xmlns:p14="http://schemas.microsoft.com/office/powerpoint/2010/main" val="2477154221"/>
       </p:ext>
     </p:extLst>
   </p:cSld>
   <p:clrMapOvr>
     <a:masterClrMapping/>
   </p:clrMapOvr>
-  <mc:AlternateContent xmlns:mc="http://schemas.openxmlformats.org/markup-compatibility/2006">
-    <mc:Choice xmlns:p14="http://schemas.microsoft.com/office/powerpoint/2010/main" xmlns="" Requires="p14">
+  <mc:AlternateContent xmlns:mc="http://schemas.openxmlformats.org/markup-compatibility/2006" xmlns:p14="http://schemas.microsoft.com/office/powerpoint/2010/main">
+    <mc:Choice Requires="p14">
       <p:transition spd="slow" p14:dur="2000"/>
     </mc:Choice>
-    <mc:Fallback>
+    <mc:Fallback xmlns="">
       <p:transition spd="slow"/>
     </mc:Fallback>
   </mc:AlternateContent>
@@ -1268,7 +1268,7 @@
             <a:fld id="{37CC0096-1860-4642-9CD2-0079EA5E7CD1}" type="datetimeFigureOut">
               <a:rPr lang="en-US" smtClean="0"/>
               <a:pPr/>
-              <a:t>10/20/2016</a:t>
+              <a:t>10/21/2016</a:t>
             </a:fld>
             <a:endParaRPr lang="en-US"/>
           </a:p>
@@ -1320,18 +1320,18 @@
     </p:spTree>
     <p:extLst>
       <p:ext uri="{BB962C8B-B14F-4D97-AF65-F5344CB8AC3E}">
-        <p14:creationId xmlns:p14="http://schemas.microsoft.com/office/powerpoint/2010/main" xmlns="" val="2524635021"/>
+        <p14:creationId xmlns:p14="http://schemas.microsoft.com/office/powerpoint/2010/main" val="2524635021"/>
       </p:ext>
     </p:extLst>
   </p:cSld>
   <p:clrMapOvr>
     <a:masterClrMapping/>
   </p:clrMapOvr>
-  <mc:AlternateContent xmlns:mc="http://schemas.openxmlformats.org/markup-compatibility/2006">
-    <mc:Choice xmlns:p14="http://schemas.microsoft.com/office/powerpoint/2010/main" xmlns="" Requires="p14">
+  <mc:AlternateContent xmlns:mc="http://schemas.openxmlformats.org/markup-compatibility/2006" xmlns:p14="http://schemas.microsoft.com/office/powerpoint/2010/main">
+    <mc:Choice Requires="p14">
       <p:transition spd="slow" p14:dur="2000"/>
     </mc:Choice>
-    <mc:Fallback>
+    <mc:Fallback xmlns="">
       <p:transition spd="slow"/>
     </mc:Fallback>
   </mc:AlternateContent>
@@ -1370,17 +1370,15 @@
           </p:cNvPicPr>
           <p:nvPr userDrawn="1"/>
         </p:nvPicPr>
-        <p:blipFill>
+        <p:blipFill rotWithShape="1">
           <a:blip r:embed="rId2"/>
-          <a:srcRect/>
-          <a:stretch>
-            <a:fillRect/>
-          </a:stretch>
+          <a:srcRect t="44241"/>
+          <a:stretch/>
         </p:blipFill>
         <p:spPr bwMode="auto">
           <a:xfrm rot="5400000" flipH="1">
-            <a:off x="6584169" y="-202441"/>
-            <a:ext cx="10096528" cy="7643842"/>
+            <a:off x="6800619" y="1297923"/>
+            <a:ext cx="6858001" cy="4262152"/>
           </a:xfrm>
           <a:prstGeom prst="rect">
             <a:avLst/>
@@ -1396,17 +1394,15 @@
           </p:cNvPicPr>
           <p:nvPr userDrawn="1"/>
         </p:nvPicPr>
-        <p:blipFill>
+        <p:blipFill rotWithShape="1">
           <a:blip r:embed="rId2"/>
-          <a:srcRect/>
-          <a:stretch>
-            <a:fillRect/>
-          </a:stretch>
+          <a:srcRect t="45218"/>
+          <a:stretch/>
         </p:blipFill>
         <p:spPr bwMode="auto">
           <a:xfrm rot="16200000">
-            <a:off x="-4488721" y="-345317"/>
-            <a:ext cx="10096528" cy="7643842"/>
+            <a:off x="-1359765" y="1335085"/>
+            <a:ext cx="6857628" cy="4187458"/>
           </a:xfrm>
           <a:prstGeom prst="rect">
             <a:avLst/>
@@ -1511,7 +1507,7 @@
             <a:fld id="{37CC0096-1860-4642-9CD2-0079EA5E7CD1}" type="datetimeFigureOut">
               <a:rPr lang="en-US" smtClean="0"/>
               <a:pPr/>
-              <a:t>10/20/2016</a:t>
+              <a:t>10/21/2016</a:t>
             </a:fld>
             <a:endParaRPr lang="en-US"/>
           </a:p>
@@ -1563,18 +1559,18 @@
     </p:spTree>
     <p:extLst>
       <p:ext uri="{BB962C8B-B14F-4D97-AF65-F5344CB8AC3E}">
-        <p14:creationId xmlns:p14="http://schemas.microsoft.com/office/powerpoint/2010/main" xmlns="" val="3112444112"/>
+        <p14:creationId xmlns:p14="http://schemas.microsoft.com/office/powerpoint/2010/main" val="3112444112"/>
       </p:ext>
     </p:extLst>
   </p:cSld>
   <p:clrMapOvr>
     <a:masterClrMapping/>
   </p:clrMapOvr>
-  <mc:AlternateContent xmlns:mc="http://schemas.openxmlformats.org/markup-compatibility/2006">
-    <mc:Choice xmlns:p14="http://schemas.microsoft.com/office/powerpoint/2010/main" xmlns="" Requires="p14">
+  <mc:AlternateContent xmlns:mc="http://schemas.openxmlformats.org/markup-compatibility/2006" xmlns:p14="http://schemas.microsoft.com/office/powerpoint/2010/main">
+    <mc:Choice Requires="p14">
       <p:transition spd="slow" p14:dur="2000"/>
     </mc:Choice>
-    <mc:Fallback>
+    <mc:Fallback xmlns="">
       <p:transition spd="slow"/>
     </mc:Fallback>
   </mc:AlternateContent>
@@ -1835,18 +1831,18 @@
     </p:spTree>
     <p:extLst>
       <p:ext uri="{BB962C8B-B14F-4D97-AF65-F5344CB8AC3E}">
-        <p14:creationId xmlns:p14="http://schemas.microsoft.com/office/powerpoint/2010/main" xmlns="" val="3506778040"/>
+        <p14:creationId xmlns:p14="http://schemas.microsoft.com/office/powerpoint/2010/main" val="3506778040"/>
       </p:ext>
     </p:extLst>
   </p:cSld>
   <p:clrMapOvr>
     <a:masterClrMapping/>
   </p:clrMapOvr>
-  <mc:AlternateContent xmlns:mc="http://schemas.openxmlformats.org/markup-compatibility/2006">
-    <mc:Choice xmlns:p14="http://schemas.microsoft.com/office/powerpoint/2010/main" xmlns="" Requires="p14">
+  <mc:AlternateContent xmlns:mc="http://schemas.openxmlformats.org/markup-compatibility/2006" xmlns:p14="http://schemas.microsoft.com/office/powerpoint/2010/main">
+    <mc:Choice Requires="p14">
       <p:transition spd="slow" p14:dur="2000"/>
     </mc:Choice>
-    <mc:Fallback>
+    <mc:Fallback xmlns="">
       <p:transition spd="slow"/>
     </mc:Fallback>
   </mc:AlternateContent>
@@ -2092,7 +2088,7 @@
             <a:fld id="{37CC0096-1860-4642-9CD2-0079EA5E7CD1}" type="datetimeFigureOut">
               <a:rPr lang="en-US" smtClean="0"/>
               <a:pPr/>
-              <a:t>10/20/2016</a:t>
+              <a:t>10/21/2016</a:t>
             </a:fld>
             <a:endParaRPr lang="en-US"/>
           </a:p>
@@ -2144,18 +2140,18 @@
     </p:spTree>
     <p:extLst>
       <p:ext uri="{BB962C8B-B14F-4D97-AF65-F5344CB8AC3E}">
-        <p14:creationId xmlns:p14="http://schemas.microsoft.com/office/powerpoint/2010/main" xmlns="" val="4044567947"/>
+        <p14:creationId xmlns:p14="http://schemas.microsoft.com/office/powerpoint/2010/main" val="4044567947"/>
       </p:ext>
     </p:extLst>
   </p:cSld>
   <p:clrMapOvr>
     <a:masterClrMapping/>
   </p:clrMapOvr>
-  <mc:AlternateContent xmlns:mc="http://schemas.openxmlformats.org/markup-compatibility/2006">
-    <mc:Choice xmlns:p14="http://schemas.microsoft.com/office/powerpoint/2010/main" xmlns="" Requires="p14">
+  <mc:AlternateContent xmlns:mc="http://schemas.openxmlformats.org/markup-compatibility/2006" xmlns:p14="http://schemas.microsoft.com/office/powerpoint/2010/main">
+    <mc:Choice Requires="p14">
       <p:transition spd="slow" p14:dur="2000"/>
     </mc:Choice>
-    <mc:Fallback>
+    <mc:Fallback xmlns="">
       <p:transition spd="slow"/>
     </mc:Fallback>
   </mc:AlternateContent>
@@ -2549,7 +2545,7 @@
             <a:fld id="{37CC0096-1860-4642-9CD2-0079EA5E7CD1}" type="datetimeFigureOut">
               <a:rPr lang="en-US" smtClean="0"/>
               <a:pPr/>
-              <a:t>10/20/2016</a:t>
+              <a:t>10/21/2016</a:t>
             </a:fld>
             <a:endParaRPr lang="en-US"/>
           </a:p>
@@ -2601,18 +2597,18 @@
     </p:spTree>
     <p:extLst>
       <p:ext uri="{BB962C8B-B14F-4D97-AF65-F5344CB8AC3E}">
-        <p14:creationId xmlns:p14="http://schemas.microsoft.com/office/powerpoint/2010/main" xmlns="" val="3397906568"/>
+        <p14:creationId xmlns:p14="http://schemas.microsoft.com/office/powerpoint/2010/main" val="3397906568"/>
       </p:ext>
     </p:extLst>
   </p:cSld>
   <p:clrMapOvr>
     <a:masterClrMapping/>
   </p:clrMapOvr>
-  <mc:AlternateContent xmlns:mc="http://schemas.openxmlformats.org/markup-compatibility/2006">
-    <mc:Choice xmlns:p14="http://schemas.microsoft.com/office/powerpoint/2010/main" xmlns="" Requires="p14">
+  <mc:AlternateContent xmlns:mc="http://schemas.openxmlformats.org/markup-compatibility/2006" xmlns:p14="http://schemas.microsoft.com/office/powerpoint/2010/main">
+    <mc:Choice Requires="p14">
       <p:transition spd="slow" p14:dur="2000"/>
     </mc:Choice>
-    <mc:Fallback>
+    <mc:Fallback xmlns="">
       <p:transition spd="slow"/>
     </mc:Fallback>
   </mc:AlternateContent>
@@ -2684,7 +2680,7 @@
             <a:fld id="{37CC0096-1860-4642-9CD2-0079EA5E7CD1}" type="datetimeFigureOut">
               <a:rPr lang="en-US" smtClean="0"/>
               <a:pPr/>
-              <a:t>10/20/2016</a:t>
+              <a:t>10/21/2016</a:t>
             </a:fld>
             <a:endParaRPr lang="en-US"/>
           </a:p>
@@ -2736,18 +2732,18 @@
     </p:spTree>
     <p:extLst>
       <p:ext uri="{BB962C8B-B14F-4D97-AF65-F5344CB8AC3E}">
-        <p14:creationId xmlns:p14="http://schemas.microsoft.com/office/powerpoint/2010/main" xmlns="" val="3238976713"/>
+        <p14:creationId xmlns:p14="http://schemas.microsoft.com/office/powerpoint/2010/main" val="3238976713"/>
       </p:ext>
     </p:extLst>
   </p:cSld>
   <p:clrMapOvr>
     <a:masterClrMapping/>
   </p:clrMapOvr>
-  <mc:AlternateContent xmlns:mc="http://schemas.openxmlformats.org/markup-compatibility/2006">
-    <mc:Choice xmlns:p14="http://schemas.microsoft.com/office/powerpoint/2010/main" xmlns="" Requires="p14">
+  <mc:AlternateContent xmlns:mc="http://schemas.openxmlformats.org/markup-compatibility/2006" xmlns:p14="http://schemas.microsoft.com/office/powerpoint/2010/main">
+    <mc:Choice Requires="p14">
       <p:transition spd="slow" p14:dur="2000"/>
     </mc:Choice>
-    <mc:Fallback>
+    <mc:Fallback xmlns="">
       <p:transition spd="slow"/>
     </mc:Fallback>
   </mc:AlternateContent>
@@ -2796,7 +2792,7 @@
             <a:fld id="{37CC0096-1860-4642-9CD2-0079EA5E7CD1}" type="datetimeFigureOut">
               <a:rPr lang="en-US" smtClean="0"/>
               <a:pPr/>
-              <a:t>10/20/2016</a:t>
+              <a:t>10/21/2016</a:t>
             </a:fld>
             <a:endParaRPr lang="en-US"/>
           </a:p>
@@ -2848,18 +2844,18 @@
     </p:spTree>
     <p:extLst>
       <p:ext uri="{BB962C8B-B14F-4D97-AF65-F5344CB8AC3E}">
-        <p14:creationId xmlns:p14="http://schemas.microsoft.com/office/powerpoint/2010/main" xmlns="" val="2146817227"/>
+        <p14:creationId xmlns:p14="http://schemas.microsoft.com/office/powerpoint/2010/main" val="2146817227"/>
       </p:ext>
     </p:extLst>
   </p:cSld>
   <p:clrMapOvr>
     <a:masterClrMapping/>
   </p:clrMapOvr>
-  <mc:AlternateContent xmlns:mc="http://schemas.openxmlformats.org/markup-compatibility/2006">
-    <mc:Choice xmlns:p14="http://schemas.microsoft.com/office/powerpoint/2010/main" xmlns="" Requires="p14">
+  <mc:AlternateContent xmlns:mc="http://schemas.openxmlformats.org/markup-compatibility/2006" xmlns:p14="http://schemas.microsoft.com/office/powerpoint/2010/main">
+    <mc:Choice Requires="p14">
       <p:transition spd="slow" p14:dur="2000"/>
     </mc:Choice>
-    <mc:Fallback>
+    <mc:Fallback xmlns="">
       <p:transition spd="slow"/>
     </mc:Fallback>
   </mc:AlternateContent>
@@ -3097,7 +3093,7 @@
             <a:fld id="{37CC0096-1860-4642-9CD2-0079EA5E7CD1}" type="datetimeFigureOut">
               <a:rPr lang="en-US" smtClean="0"/>
               <a:pPr/>
-              <a:t>10/20/2016</a:t>
+              <a:t>10/21/2016</a:t>
             </a:fld>
             <a:endParaRPr lang="en-US"/>
           </a:p>
@@ -3149,18 +3145,18 @@
     </p:spTree>
     <p:extLst>
       <p:ext uri="{BB962C8B-B14F-4D97-AF65-F5344CB8AC3E}">
-        <p14:creationId xmlns:p14="http://schemas.microsoft.com/office/powerpoint/2010/main" xmlns="" val="1667374130"/>
+        <p14:creationId xmlns:p14="http://schemas.microsoft.com/office/powerpoint/2010/main" val="1667374130"/>
       </p:ext>
     </p:extLst>
   </p:cSld>
   <p:clrMapOvr>
     <a:masterClrMapping/>
   </p:clrMapOvr>
-  <mc:AlternateContent xmlns:mc="http://schemas.openxmlformats.org/markup-compatibility/2006">
-    <mc:Choice xmlns:p14="http://schemas.microsoft.com/office/powerpoint/2010/main" xmlns="" Requires="p14">
+  <mc:AlternateContent xmlns:mc="http://schemas.openxmlformats.org/markup-compatibility/2006" xmlns:p14="http://schemas.microsoft.com/office/powerpoint/2010/main">
+    <mc:Choice Requires="p14">
       <p:transition spd="slow" p14:dur="2000"/>
     </mc:Choice>
-    <mc:Fallback>
+    <mc:Fallback xmlns="">
       <p:transition spd="slow"/>
     </mc:Fallback>
   </mc:AlternateContent>
@@ -3427,7 +3423,7 @@
             <a:fld id="{37CC0096-1860-4642-9CD2-0079EA5E7CD1}" type="datetimeFigureOut">
               <a:rPr lang="en-US" smtClean="0"/>
               <a:pPr/>
-              <a:t>10/20/2016</a:t>
+              <a:t>10/21/2016</a:t>
             </a:fld>
             <a:endParaRPr lang="en-US"/>
           </a:p>
@@ -3479,18 +3475,18 @@
     </p:spTree>
     <p:extLst>
       <p:ext uri="{BB962C8B-B14F-4D97-AF65-F5344CB8AC3E}">
-        <p14:creationId xmlns:p14="http://schemas.microsoft.com/office/powerpoint/2010/main" xmlns="" val="2977249753"/>
+        <p14:creationId xmlns:p14="http://schemas.microsoft.com/office/powerpoint/2010/main" val="2977249753"/>
       </p:ext>
     </p:extLst>
   </p:cSld>
   <p:clrMapOvr>
     <a:masterClrMapping/>
   </p:clrMapOvr>
-  <mc:AlternateContent xmlns:mc="http://schemas.openxmlformats.org/markup-compatibility/2006">
-    <mc:Choice xmlns:p14="http://schemas.microsoft.com/office/powerpoint/2010/main" xmlns="" Requires="p14">
+  <mc:AlternateContent xmlns:mc="http://schemas.openxmlformats.org/markup-compatibility/2006" xmlns:p14="http://schemas.microsoft.com/office/powerpoint/2010/main">
+    <mc:Choice Requires="p14">
       <p:transition spd="slow" p14:dur="2000"/>
     </mc:Choice>
-    <mc:Fallback>
+    <mc:Fallback xmlns="">
       <p:transition spd="slow"/>
     </mc:Fallback>
   </mc:AlternateContent>
@@ -3657,7 +3653,7 @@
             <a:fld id="{37CC0096-1860-4642-9CD2-0079EA5E7CD1}" type="datetimeFigureOut">
               <a:rPr lang="en-US"/>
               <a:pPr/>
-              <a:t>10/20/2016</a:t>
+              <a:t>10/21/2016</a:t>
             </a:fld>
             <a:endParaRPr/>
           </a:p>
@@ -3745,7 +3741,7 @@
     </p:spTree>
     <p:extLst>
       <p:ext uri="{BB962C8B-B14F-4D97-AF65-F5344CB8AC3E}">
-        <p14:creationId xmlns:p14="http://schemas.microsoft.com/office/powerpoint/2010/main" xmlns="" val="1943259863"/>
+        <p14:creationId xmlns:p14="http://schemas.microsoft.com/office/powerpoint/2010/main" val="1943259863"/>
       </p:ext>
     </p:extLst>
   </p:cSld>
@@ -3763,11 +3759,11 @@
     <p:sldLayoutId id="2147483658" r:id="rId10"/>
     <p:sldLayoutId id="2147483659" r:id="rId11"/>
   </p:sldLayoutIdLst>
-  <mc:AlternateContent xmlns:mc="http://schemas.openxmlformats.org/markup-compatibility/2006">
-    <mc:Choice xmlns:p14="http://schemas.microsoft.com/office/powerpoint/2010/main" xmlns="" Requires="p14">
+  <mc:AlternateContent xmlns:mc="http://schemas.openxmlformats.org/markup-compatibility/2006" xmlns:p14="http://schemas.microsoft.com/office/powerpoint/2010/main">
+    <mc:Choice Requires="p14">
       <p:transition spd="slow" p14:dur="2000"/>
     </mc:Choice>
-    <mc:Fallback>
+    <mc:Fallback xmlns="">
       <p:transition spd="slow"/>
     </mc:Fallback>
   </mc:AlternateContent>
@@ -4097,7 +4093,7 @@
   </p:txStyles>
   <p:extLst mod="1">
     <p:ext uri="{27BBF7A9-308A-43DC-89C8-2F10F3537804}">
-      <p15:sldGuideLst xmlns:p15="http://schemas.microsoft.com/office/powerpoint/2012/main" xmlns="">
+      <p15:sldGuideLst xmlns:p15="http://schemas.microsoft.com/office/powerpoint/2012/main">
         <p15:guide id="1" orient="horz" pos="2160">
           <p15:clr>
             <a:srgbClr val="F26B43"/>
@@ -4229,14 +4225,7 @@
                 <a:latin typeface="Arial" pitchFamily="34" charset="0"/>
                 <a:cs typeface="Arial" pitchFamily="34" charset="0"/>
               </a:rPr>
-              <a:t>Ayu </a:t>
-            </a:r>
-            <a:r>
-              <a:rPr lang="x-none" smtClean="0">
-                <a:latin typeface="Arial" pitchFamily="34" charset="0"/>
-                <a:cs typeface="Arial" pitchFamily="34" charset="0"/>
-              </a:rPr>
-              <a:t>Dianita</a:t>
+              <a:t>Ayu Dianita</a:t>
             </a:r>
             <a:endParaRPr dirty="0">
               <a:latin typeface="Arial" pitchFamily="34" charset="0"/>
@@ -4248,20 +4237,20 @@
     </p:spTree>
     <p:extLst>
       <p:ext uri="{BB962C8B-B14F-4D97-AF65-F5344CB8AC3E}">
-        <p14:creationId xmlns:p14="http://schemas.microsoft.com/office/powerpoint/2010/main" xmlns="" val="242453831"/>
+        <p14:creationId xmlns:p14="http://schemas.microsoft.com/office/powerpoint/2010/main" val="242453831"/>
       </p:ext>
     </p:extLst>
   </p:cSld>
   <p:clrMapOvr>
     <a:masterClrMapping/>
   </p:clrMapOvr>
-  <mc:AlternateContent xmlns:mc="http://schemas.openxmlformats.org/markup-compatibility/2006">
-    <mc:Choice xmlns:p14="http://schemas.microsoft.com/office/powerpoint/2010/main" xmlns="" Requires="p14">
+  <mc:AlternateContent xmlns:mc="http://schemas.openxmlformats.org/markup-compatibility/2006" xmlns:p14="http://schemas.microsoft.com/office/powerpoint/2010/main">
+    <mc:Choice Requires="p14">
       <p:transition spd="med" p14:dur="700">
         <p:fade/>
       </p:transition>
     </mc:Choice>
-    <mc:Fallback>
+    <mc:Fallback xmlns="">
       <p:transition spd="med">
         <p:fade/>
       </p:transition>
@@ -4325,14 +4314,21 @@
   <p:clrMapOvr>
     <a:masterClrMapping/>
   </p:clrMapOvr>
-  <mc:AlternateContent xmlns:mc="http://schemas.openxmlformats.org/markup-compatibility/2006">
-    <mc:Choice xmlns:p14="http://schemas.microsoft.com/office/powerpoint/2010/main" xmlns="" Requires="p14">
+  <mc:AlternateContent xmlns:mc="http://schemas.openxmlformats.org/markup-compatibility/2006" xmlns:p14="http://schemas.microsoft.com/office/powerpoint/2010/main">
+    <mc:Choice Requires="p14">
       <p:transition spd="slow" p14:dur="2000"/>
     </mc:Choice>
-    <mc:Fallback>
+    <mc:Fallback xmlns="">
       <p:transition spd="slow"/>
     </mc:Fallback>
   </mc:AlternateContent>
+  <p:timing>
+    <p:tnLst>
+      <p:par>
+        <p:cTn id="1" dur="indefinite" restart="never" nodeType="tmRoot"/>
+      </p:par>
+    </p:tnLst>
+  </p:timing>
 </p:sld>
 </file>
 
@@ -4384,14 +4380,21 @@
   <p:clrMapOvr>
     <a:masterClrMapping/>
   </p:clrMapOvr>
-  <mc:AlternateContent xmlns:mc="http://schemas.openxmlformats.org/markup-compatibility/2006">
-    <mc:Choice xmlns:p14="http://schemas.microsoft.com/office/powerpoint/2010/main" xmlns="" Requires="p14">
+  <mc:AlternateContent xmlns:mc="http://schemas.openxmlformats.org/markup-compatibility/2006" xmlns:p14="http://schemas.microsoft.com/office/powerpoint/2010/main">
+    <mc:Choice Requires="p14">
       <p:transition spd="slow" p14:dur="2000"/>
     </mc:Choice>
-    <mc:Fallback>
+    <mc:Fallback xmlns="">
       <p:transition spd="slow"/>
     </mc:Fallback>
   </mc:AlternateContent>
+  <p:timing>
+    <p:tnLst>
+      <p:par>
+        <p:cTn id="1" dur="indefinite" restart="never" nodeType="tmRoot"/>
+      </p:par>
+    </p:tnLst>
+  </p:timing>
 </p:sld>
 </file>
 
@@ -4443,14 +4446,21 @@
   <p:clrMapOvr>
     <a:masterClrMapping/>
   </p:clrMapOvr>
-  <mc:AlternateContent xmlns:mc="http://schemas.openxmlformats.org/markup-compatibility/2006">
-    <mc:Choice xmlns:p14="http://schemas.microsoft.com/office/powerpoint/2010/main" xmlns="" Requires="p14">
+  <mc:AlternateContent xmlns:mc="http://schemas.openxmlformats.org/markup-compatibility/2006" xmlns:p14="http://schemas.microsoft.com/office/powerpoint/2010/main">
+    <mc:Choice Requires="p14">
       <p:transition spd="slow" p14:dur="2000"/>
     </mc:Choice>
-    <mc:Fallback>
+    <mc:Fallback xmlns="">
       <p:transition spd="slow"/>
     </mc:Fallback>
   </mc:AlternateContent>
+  <p:timing>
+    <p:tnLst>
+      <p:par>
+        <p:cTn id="1" dur="indefinite" restart="never" nodeType="tmRoot"/>
+      </p:par>
+    </p:tnLst>
+  </p:timing>
 </p:sld>
 </file>
 
@@ -4540,14 +4550,21 @@
   <p:clrMapOvr>
     <a:masterClrMapping/>
   </p:clrMapOvr>
-  <mc:AlternateContent xmlns:mc="http://schemas.openxmlformats.org/markup-compatibility/2006">
-    <mc:Choice xmlns:p14="http://schemas.microsoft.com/office/powerpoint/2010/main" xmlns="" Requires="p14">
+  <mc:AlternateContent xmlns:mc="http://schemas.openxmlformats.org/markup-compatibility/2006" xmlns:p14="http://schemas.microsoft.com/office/powerpoint/2010/main">
+    <mc:Choice Requires="p14">
       <p:transition spd="slow" p14:dur="2000"/>
     </mc:Choice>
-    <mc:Fallback>
+    <mc:Fallback xmlns="">
       <p:transition spd="slow"/>
     </mc:Fallback>
   </mc:AlternateContent>
+  <p:timing>
+    <p:tnLst>
+      <p:par>
+        <p:cTn id="1" dur="indefinite" restart="never" nodeType="tmRoot"/>
+      </p:par>
+    </p:tnLst>
+  </p:timing>
 </p:sld>
 </file>
 
@@ -4593,13 +4610,7 @@
               <a:rPr lang="en-US" dirty="0" smtClean="0">
                 <a:latin typeface="Berlin Sans FB" pitchFamily="34" charset="0"/>
               </a:rPr>
-              <a:t>&lt;/INTERFACE</a:t>
-            </a:r>
-            <a:r>
-              <a:rPr lang="en-US" dirty="0" smtClean="0">
-                <a:latin typeface="Berlin Sans FB" pitchFamily="34" charset="0"/>
-              </a:rPr>
-              <a:t>&gt;</a:t>
+              <a:t>&lt;/INTERFACE&gt;</a:t>
             </a:r>
             <a:endParaRPr lang="en-US" dirty="0">
               <a:latin typeface="Berlin Sans FB" pitchFamily="34" charset="0"/>
@@ -4638,14 +4649,21 @@
   <p:clrMapOvr>
     <a:masterClrMapping/>
   </p:clrMapOvr>
-  <mc:AlternateContent xmlns:mc="http://schemas.openxmlformats.org/markup-compatibility/2006">
-    <mc:Choice xmlns:p14="http://schemas.microsoft.com/office/powerpoint/2010/main" xmlns="" Requires="p14">
+  <mc:AlternateContent xmlns:mc="http://schemas.openxmlformats.org/markup-compatibility/2006" xmlns:p14="http://schemas.microsoft.com/office/powerpoint/2010/main">
+    <mc:Choice Requires="p14">
       <p:transition spd="slow" p14:dur="2000"/>
     </mc:Choice>
-    <mc:Fallback>
+    <mc:Fallback xmlns="">
       <p:transition spd="slow"/>
     </mc:Fallback>
   </mc:AlternateContent>
+  <p:timing>
+    <p:tnLst>
+      <p:par>
+        <p:cTn id="1" dur="indefinite" restart="never" nodeType="tmRoot"/>
+      </p:par>
+    </p:tnLst>
+  </p:timing>
 </p:sld>
 </file>
 
@@ -4704,14 +4722,21 @@
   <p:clrMapOvr>
     <a:masterClrMapping/>
   </p:clrMapOvr>
-  <mc:AlternateContent xmlns:mc="http://schemas.openxmlformats.org/markup-compatibility/2006">
-    <mc:Choice xmlns:p14="http://schemas.microsoft.com/office/powerpoint/2010/main" xmlns="" Requires="p14">
+  <mc:AlternateContent xmlns:mc="http://schemas.openxmlformats.org/markup-compatibility/2006" xmlns:p14="http://schemas.microsoft.com/office/powerpoint/2010/main">
+    <mc:Choice Requires="p14">
       <p:transition spd="slow" p14:dur="2000"/>
     </mc:Choice>
-    <mc:Fallback>
+    <mc:Fallback xmlns="">
       <p:transition spd="slow"/>
     </mc:Fallback>
   </mc:AlternateContent>
+  <p:timing>
+    <p:tnLst>
+      <p:par>
+        <p:cTn id="1" dur="indefinite" restart="never" nodeType="tmRoot"/>
+      </p:par>
+    </p:tnLst>
+  </p:timing>
 </p:sld>
 </file>
 
@@ -4805,18 +4830,18 @@
     </p:spTree>
     <p:extLst>
       <p:ext uri="{BB962C8B-B14F-4D97-AF65-F5344CB8AC3E}">
-        <p14:creationId xmlns:p14="http://schemas.microsoft.com/office/powerpoint/2010/main" xmlns="" val="2116190161"/>
+        <p14:creationId xmlns:p14="http://schemas.microsoft.com/office/powerpoint/2010/main" val="2116190161"/>
       </p:ext>
     </p:extLst>
   </p:cSld>
   <p:clrMapOvr>
     <a:masterClrMapping/>
   </p:clrMapOvr>
-  <mc:AlternateContent xmlns:mc="http://schemas.openxmlformats.org/markup-compatibility/2006">
-    <mc:Choice xmlns:p14="http://schemas.microsoft.com/office/powerpoint/2010/main" xmlns="" Requires="p14">
+  <mc:AlternateContent xmlns:mc="http://schemas.openxmlformats.org/markup-compatibility/2006" xmlns:p14="http://schemas.microsoft.com/office/powerpoint/2010/main">
+    <mc:Choice Requires="p14">
       <p:transition spd="slow" p14:dur="2000"/>
     </mc:Choice>
-    <mc:Fallback>
+    <mc:Fallback xmlns="">
       <p:transition spd="slow"/>
     </mc:Fallback>
   </mc:AlternateContent>
@@ -4920,14 +4945,21 @@
   <p:clrMapOvr>
     <a:masterClrMapping/>
   </p:clrMapOvr>
-  <mc:AlternateContent xmlns:mc="http://schemas.openxmlformats.org/markup-compatibility/2006">
-    <mc:Choice xmlns:p14="http://schemas.microsoft.com/office/powerpoint/2010/main" xmlns="" Requires="p14">
+  <mc:AlternateContent xmlns:mc="http://schemas.openxmlformats.org/markup-compatibility/2006" xmlns:p14="http://schemas.microsoft.com/office/powerpoint/2010/main">
+    <mc:Choice Requires="p14">
       <p:transition spd="slow" p14:dur="2000"/>
     </mc:Choice>
-    <mc:Fallback>
+    <mc:Fallback xmlns="">
       <p:transition spd="slow"/>
     </mc:Fallback>
   </mc:AlternateContent>
+  <p:timing>
+    <p:tnLst>
+      <p:par>
+        <p:cTn id="1" dur="indefinite" restart="never" nodeType="tmRoot"/>
+      </p:par>
+    </p:tnLst>
+  </p:timing>
 </p:sld>
 </file>
 
@@ -5012,14 +5044,21 @@
   <p:clrMapOvr>
     <a:masterClrMapping/>
   </p:clrMapOvr>
-  <mc:AlternateContent xmlns:mc="http://schemas.openxmlformats.org/markup-compatibility/2006">
-    <mc:Choice xmlns:p14="http://schemas.microsoft.com/office/powerpoint/2010/main" xmlns="" Requires="p14">
+  <mc:AlternateContent xmlns:mc="http://schemas.openxmlformats.org/markup-compatibility/2006" xmlns:p14="http://schemas.microsoft.com/office/powerpoint/2010/main">
+    <mc:Choice Requires="p14">
       <p:transition spd="slow" p14:dur="2000"/>
     </mc:Choice>
-    <mc:Fallback>
+    <mc:Fallback xmlns="">
       <p:transition spd="slow"/>
     </mc:Fallback>
   </mc:AlternateContent>
+  <p:timing>
+    <p:tnLst>
+      <p:par>
+        <p:cTn id="1" dur="indefinite" restart="never" nodeType="tmRoot"/>
+      </p:par>
+    </p:tnLst>
+  </p:timing>
 </p:sld>
 </file>
 
@@ -5071,11 +5110,11 @@
   <p:clrMapOvr>
     <a:masterClrMapping/>
   </p:clrMapOvr>
-  <mc:AlternateContent xmlns:mc="http://schemas.openxmlformats.org/markup-compatibility/2006">
-    <mc:Choice xmlns:p14="http://schemas.microsoft.com/office/powerpoint/2010/main" xmlns="" Requires="p14">
+  <mc:AlternateContent xmlns:mc="http://schemas.openxmlformats.org/markup-compatibility/2006" xmlns:p14="http://schemas.microsoft.com/office/powerpoint/2010/main">
+    <mc:Choice Requires="p14">
       <p:transition spd="slow" p14:dur="2000"/>
     </mc:Choice>
-    <mc:Fallback>
+    <mc:Fallback xmlns="">
       <p:transition spd="slow"/>
     </mc:Fallback>
   </mc:AlternateContent>
@@ -5137,14 +5176,21 @@
   <p:clrMapOvr>
     <a:masterClrMapping/>
   </p:clrMapOvr>
-  <mc:AlternateContent xmlns:mc="http://schemas.openxmlformats.org/markup-compatibility/2006">
-    <mc:Choice xmlns:p14="http://schemas.microsoft.com/office/powerpoint/2010/main" xmlns="" Requires="p14">
+  <mc:AlternateContent xmlns:mc="http://schemas.openxmlformats.org/markup-compatibility/2006" xmlns:p14="http://schemas.microsoft.com/office/powerpoint/2010/main">
+    <mc:Choice Requires="p14">
       <p:transition spd="slow" p14:dur="2000"/>
     </mc:Choice>
-    <mc:Fallback>
+    <mc:Fallback xmlns="">
       <p:transition spd="slow"/>
     </mc:Fallback>
   </mc:AlternateContent>
+  <p:timing>
+    <p:tnLst>
+      <p:par>
+        <p:cTn id="1" dur="indefinite" restart="never" nodeType="tmRoot"/>
+      </p:par>
+    </p:tnLst>
+  </p:timing>
 </p:sld>
 </file>
 
@@ -5196,11 +5242,11 @@
   <p:clrMapOvr>
     <a:masterClrMapping/>
   </p:clrMapOvr>
-  <mc:AlternateContent xmlns:mc="http://schemas.openxmlformats.org/markup-compatibility/2006">
-    <mc:Choice xmlns:p14="http://schemas.microsoft.com/office/powerpoint/2010/main" xmlns="" Requires="p14">
+  <mc:AlternateContent xmlns:mc="http://schemas.openxmlformats.org/markup-compatibility/2006" xmlns:p14="http://schemas.microsoft.com/office/powerpoint/2010/main">
+    <mc:Choice Requires="p14">
       <p:transition spd="slow" p14:dur="2000"/>
     </mc:Choice>
-    <mc:Fallback>
+    <mc:Fallback xmlns="">
       <p:transition spd="slow"/>
     </mc:Fallback>
   </mc:AlternateContent>
@@ -5262,14 +5308,21 @@
   <p:clrMapOvr>
     <a:masterClrMapping/>
   </p:clrMapOvr>
-  <mc:AlternateContent xmlns:mc="http://schemas.openxmlformats.org/markup-compatibility/2006">
-    <mc:Choice xmlns:p14="http://schemas.microsoft.com/office/powerpoint/2010/main" xmlns="" Requires="p14">
+  <mc:AlternateContent xmlns:mc="http://schemas.openxmlformats.org/markup-compatibility/2006" xmlns:p14="http://schemas.microsoft.com/office/powerpoint/2010/main">
+    <mc:Choice Requires="p14">
       <p:transition spd="slow" p14:dur="2000"/>
     </mc:Choice>
-    <mc:Fallback>
+    <mc:Fallback xmlns="">
       <p:transition spd="slow"/>
     </mc:Fallback>
   </mc:AlternateContent>
+  <p:timing>
+    <p:tnLst>
+      <p:par>
+        <p:cTn id="1" dur="indefinite" restart="never" nodeType="tmRoot"/>
+      </p:par>
+    </p:tnLst>
+  </p:timing>
 </p:sld>
 </file>
 
@@ -5321,14 +5374,21 @@
   <p:clrMapOvr>
     <a:masterClrMapping/>
   </p:clrMapOvr>
-  <mc:AlternateContent xmlns:mc="http://schemas.openxmlformats.org/markup-compatibility/2006">
-    <mc:Choice xmlns:p14="http://schemas.microsoft.com/office/powerpoint/2010/main" xmlns="" Requires="p14">
+  <mc:AlternateContent xmlns:mc="http://schemas.openxmlformats.org/markup-compatibility/2006" xmlns:p14="http://schemas.microsoft.com/office/powerpoint/2010/main">
+    <mc:Choice Requires="p14">
       <p:transition spd="slow" p14:dur="2000"/>
     </mc:Choice>
-    <mc:Fallback>
+    <mc:Fallback xmlns="">
       <p:transition spd="slow"/>
     </mc:Fallback>
   </mc:AlternateContent>
+  <p:timing>
+    <p:tnLst>
+      <p:par>
+        <p:cTn id="1" dur="indefinite" restart="never" nodeType="tmRoot"/>
+      </p:par>
+    </p:tnLst>
+  </p:timing>
 </p:sld>
 </file>
 
@@ -5587,7 +5647,7 @@
   <a:extraClrSchemeLst/>
   <a:extLst>
     <a:ext uri="{05A4C25C-085E-4340-85A3-A5531E510DB2}">
-      <thm15:themeFamily xmlns:thm15="http://schemas.microsoft.com/office/thememl/2012/main" xmlns="" name="O15_4109default" id="{E728D685-11FC-4812-BA85-57AC6F9C9F40}" vid="{BC4E008B-95FF-4815-904E-143A8EDFC1D4}"/>
+      <thm15:themeFamily xmlns:thm15="http://schemas.microsoft.com/office/thememl/2012/main" name="O15_4109default" id="{E728D685-11FC-4812-BA85-57AC6F9C9F40}" vid="{BC4E008B-95FF-4815-904E-143A8EDFC1D4}"/>
     </a:ext>
   </a:extLst>
 </a:theme>
@@ -5848,7 +5908,7 @@
   <a:extraClrSchemeLst/>
   <a:extLst>
     <a:ext uri="{05A4C25C-085E-4340-85A3-A5531E510DB2}">
-      <thm15:themeFamily xmlns:thm15="http://schemas.microsoft.com/office/thememl/2012/main" xmlns="" name="Office Theme" id="{62F939B6-93AF-4DB8-9C6B-D6C7DFDC589F}" vid="{4A3C46E8-61CC-4603-A589-7422A47A8E4A}"/>
+      <thm15:themeFamily xmlns:thm15="http://schemas.microsoft.com/office/thememl/2012/main" name="Office Theme" id="{62F939B6-93AF-4DB8-9C6B-D6C7DFDC589F}" vid="{4A3C46E8-61CC-4603-A589-7422A47A8E4A}"/>
     </a:ext>
   </a:extLst>
 </a:theme>
@@ -6109,7 +6169,7 @@
   <a:extraClrSchemeLst/>
   <a:extLst>
     <a:ext uri="{05A4C25C-085E-4340-85A3-A5531E510DB2}">
-      <thm15:themeFamily xmlns:thm15="http://schemas.microsoft.com/office/thememl/2012/main" xmlns="" name="Office Theme" id="{62F939B6-93AF-4DB8-9C6B-D6C7DFDC589F}" vid="{4A3C46E8-61CC-4603-A589-7422A47A8E4A}"/>
+      <thm15:themeFamily xmlns:thm15="http://schemas.microsoft.com/office/thememl/2012/main" name="Office Theme" id="{62F939B6-93AF-4DB8-9C6B-D6C7DFDC589F}" vid="{4A3C46E8-61CC-4603-A589-7422A47A8E4A}"/>
     </a:ext>
   </a:extLst>
 </a:theme>
